--- a/mki-final-design.pptx
+++ b/mki-final-design.pptx
@@ -192,7 +192,7 @@
           <a:p>
             <a:fld id="{2A1A8312-65BF-4D21-AACD-37FCAF4C2F2A}" type="datetimeFigureOut">
               <a:rPr lang="en-GB" smtClean="0"/>
-              <a:t>28/11/2012</a:t>
+              <a:t>22/04/2013</a:t>
             </a:fld>
             <a:endParaRPr lang="en-GB"/>
           </a:p>
@@ -731,7 +731,7 @@
             <a:fld id="{933C7AF9-CE08-4F2A-8C1C-214B27C14414}" type="datetimeFigureOut">
               <a:rPr lang="en-GB" smtClean="0"/>
               <a:pPr/>
-              <a:t>28/11/2012</a:t>
+              <a:t>22/04/2013</a:t>
             </a:fld>
             <a:endParaRPr lang="en-GB"/>
           </a:p>
@@ -898,7 +898,7 @@
             <a:fld id="{933C7AF9-CE08-4F2A-8C1C-214B27C14414}" type="datetimeFigureOut">
               <a:rPr lang="en-GB" smtClean="0"/>
               <a:pPr/>
-              <a:t>28/11/2012</a:t>
+              <a:t>22/04/2013</a:t>
             </a:fld>
             <a:endParaRPr lang="en-GB"/>
           </a:p>
@@ -1075,7 +1075,7 @@
             <a:fld id="{933C7AF9-CE08-4F2A-8C1C-214B27C14414}" type="datetimeFigureOut">
               <a:rPr lang="en-GB" smtClean="0"/>
               <a:pPr/>
-              <a:t>28/11/2012</a:t>
+              <a:t>22/04/2013</a:t>
             </a:fld>
             <a:endParaRPr lang="en-GB"/>
           </a:p>
@@ -1242,7 +1242,7 @@
             <a:fld id="{933C7AF9-CE08-4F2A-8C1C-214B27C14414}" type="datetimeFigureOut">
               <a:rPr lang="en-GB" smtClean="0"/>
               <a:pPr/>
-              <a:t>28/11/2012</a:t>
+              <a:t>22/04/2013</a:t>
             </a:fld>
             <a:endParaRPr lang="en-GB"/>
           </a:p>
@@ -1485,7 +1485,7 @@
             <a:fld id="{933C7AF9-CE08-4F2A-8C1C-214B27C14414}" type="datetimeFigureOut">
               <a:rPr lang="en-GB" smtClean="0"/>
               <a:pPr/>
-              <a:t>28/11/2012</a:t>
+              <a:t>22/04/2013</a:t>
             </a:fld>
             <a:endParaRPr lang="en-GB"/>
           </a:p>
@@ -1770,7 +1770,7 @@
             <a:fld id="{933C7AF9-CE08-4F2A-8C1C-214B27C14414}" type="datetimeFigureOut">
               <a:rPr lang="en-GB" smtClean="0"/>
               <a:pPr/>
-              <a:t>28/11/2012</a:t>
+              <a:t>22/04/2013</a:t>
             </a:fld>
             <a:endParaRPr lang="en-GB"/>
           </a:p>
@@ -2189,7 +2189,7 @@
             <a:fld id="{933C7AF9-CE08-4F2A-8C1C-214B27C14414}" type="datetimeFigureOut">
               <a:rPr lang="en-GB" smtClean="0"/>
               <a:pPr/>
-              <a:t>28/11/2012</a:t>
+              <a:t>22/04/2013</a:t>
             </a:fld>
             <a:endParaRPr lang="en-GB"/>
           </a:p>
@@ -2304,7 +2304,7 @@
             <a:fld id="{933C7AF9-CE08-4F2A-8C1C-214B27C14414}" type="datetimeFigureOut">
               <a:rPr lang="en-GB" smtClean="0"/>
               <a:pPr/>
-              <a:t>28/11/2012</a:t>
+              <a:t>22/04/2013</a:t>
             </a:fld>
             <a:endParaRPr lang="en-GB"/>
           </a:p>
@@ -2396,7 +2396,7 @@
             <a:fld id="{933C7AF9-CE08-4F2A-8C1C-214B27C14414}" type="datetimeFigureOut">
               <a:rPr lang="en-GB" smtClean="0"/>
               <a:pPr/>
-              <a:t>28/11/2012</a:t>
+              <a:t>22/04/2013</a:t>
             </a:fld>
             <a:endParaRPr lang="en-GB"/>
           </a:p>
@@ -2670,7 +2670,7 @@
             <a:fld id="{933C7AF9-CE08-4F2A-8C1C-214B27C14414}" type="datetimeFigureOut">
               <a:rPr lang="en-GB" smtClean="0"/>
               <a:pPr/>
-              <a:t>28/11/2012</a:t>
+              <a:t>22/04/2013</a:t>
             </a:fld>
             <a:endParaRPr lang="en-GB"/>
           </a:p>
@@ -2920,7 +2920,7 @@
             <a:fld id="{933C7AF9-CE08-4F2A-8C1C-214B27C14414}" type="datetimeFigureOut">
               <a:rPr lang="en-GB" smtClean="0"/>
               <a:pPr/>
-              <a:t>28/11/2012</a:t>
+              <a:t>22/04/2013</a:t>
             </a:fld>
             <a:endParaRPr lang="en-GB"/>
           </a:p>
@@ -3130,7 +3130,7 @@
             <a:fld id="{933C7AF9-CE08-4F2A-8C1C-214B27C14414}" type="datetimeFigureOut">
               <a:rPr lang="en-GB" smtClean="0"/>
               <a:pPr/>
-              <a:t>28/11/2012</a:t>
+              <a:t>22/04/2013</a:t>
             </a:fld>
             <a:endParaRPr lang="en-GB"/>
           </a:p>
@@ -3880,7 +3880,7 @@
         <p:spPr>
           <a:xfrm>
             <a:off x="5373402" y="80018"/>
-            <a:ext cx="1072409" cy="276999"/>
+            <a:ext cx="1363002" cy="338554"/>
           </a:xfrm>
           <a:prstGeom prst="rect">
             <a:avLst/>
@@ -3896,11 +3896,15 @@
           <a:lstStyle/>
           <a:p>
             <a:r>
+              <a:rPr lang="en-GB" sz="1600" dirty="0" smtClean="0"/>
+              <a:t>Return</a:t>
+            </a:r>
+            <a:r>
               <a:rPr lang="en-GB" dirty="0" smtClean="0"/>
-              <a:t>Return </a:t>
-            </a:r>
-            <a:r>
-              <a:rPr lang="en-GB" dirty="0" err="1" smtClean="0"/>
+              <a:t> </a:t>
+            </a:r>
+            <a:r>
+              <a:rPr lang="en-GB" sz="1600" dirty="0" err="1" smtClean="0"/>
               <a:t>Busbar</a:t>
             </a:r>
             <a:endParaRPr lang="en-GB" dirty="0"/>
@@ -3915,8 +3919,8 @@
         </p:nvSpPr>
         <p:spPr>
           <a:xfrm>
-            <a:off x="4651665" y="5090475"/>
-            <a:ext cx="1438214" cy="276999"/>
+            <a:off x="4486412" y="4991610"/>
+            <a:ext cx="2071401" cy="369332"/>
           </a:xfrm>
           <a:prstGeom prst="rect">
             <a:avLst/>
@@ -3932,14 +3936,14 @@
           <a:lstStyle/>
           <a:p>
             <a:r>
-              <a:rPr lang="en-GB" dirty="0" smtClean="0"/>
+              <a:rPr lang="en-GB" sz="1800" dirty="0" smtClean="0"/>
               <a:t>High Voltage </a:t>
             </a:r>
             <a:r>
-              <a:rPr lang="en-GB" dirty="0" err="1" smtClean="0"/>
+              <a:rPr lang="en-GB" sz="1800" dirty="0" err="1" smtClean="0"/>
               <a:t>Busbar</a:t>
             </a:r>
-            <a:endParaRPr lang="en-GB" dirty="0"/>
+            <a:endParaRPr lang="en-GB" sz="1800" dirty="0"/>
           </a:p>
         </p:txBody>
       </p:sp>
@@ -4095,8 +4099,8 @@
         </p:nvSpPr>
         <p:spPr>
           <a:xfrm>
-            <a:off x="6159277" y="5114196"/>
-            <a:ext cx="72008" cy="80128"/>
+            <a:off x="7167848" y="5220428"/>
+            <a:ext cx="104712" cy="100264"/>
           </a:xfrm>
           <a:prstGeom prst="rect">
             <a:avLst/>
@@ -4147,8 +4151,8 @@
         </p:nvSpPr>
         <p:spPr>
           <a:xfrm>
-            <a:off x="6159277" y="5330220"/>
-            <a:ext cx="72008" cy="54103"/>
+            <a:off x="7167848" y="5456588"/>
+            <a:ext cx="104712" cy="99021"/>
           </a:xfrm>
           <a:prstGeom prst="rect">
             <a:avLst/>
@@ -4201,8 +4205,8 @@
         </p:nvSpPr>
         <p:spPr>
           <a:xfrm>
-            <a:off x="6231285" y="5042188"/>
-            <a:ext cx="691279" cy="276999"/>
+            <a:off x="7272560" y="5111351"/>
+            <a:ext cx="858505" cy="338554"/>
           </a:xfrm>
           <a:prstGeom prst="rect">
             <a:avLst/>
@@ -4216,7 +4220,7 @@
           <a:lstStyle/>
           <a:p>
             <a:r>
-              <a:rPr lang="en-GB" dirty="0" smtClean="0"/>
+              <a:rPr lang="en-GB" sz="1600" dirty="0" smtClean="0"/>
               <a:t>Ceramic</a:t>
             </a:r>
             <a:endParaRPr lang="en-GB" dirty="0"/>
@@ -4231,8 +4235,8 @@
         </p:nvSpPr>
         <p:spPr>
           <a:xfrm>
-            <a:off x="6231285" y="5269270"/>
-            <a:ext cx="1295226" cy="276999"/>
+            <a:off x="7272560" y="5386332"/>
+            <a:ext cx="1657954" cy="338554"/>
           </a:xfrm>
           <a:prstGeom prst="rect">
             <a:avLst/>
@@ -4246,8 +4250,16 @@
           <a:lstStyle/>
           <a:p>
             <a:r>
+              <a:rPr lang="en-GB" sz="1600" dirty="0" smtClean="0"/>
+              <a:t>Screen</a:t>
+            </a:r>
+            <a:r>
               <a:rPr lang="en-GB" dirty="0" smtClean="0"/>
-              <a:t>Screen Conductor</a:t>
+              <a:t> </a:t>
+            </a:r>
+            <a:r>
+              <a:rPr lang="en-GB" sz="1600" dirty="0" smtClean="0"/>
+              <a:t>Conductor</a:t>
             </a:r>
             <a:endParaRPr lang="en-GB" dirty="0"/>
           </a:p>
@@ -4261,8 +4273,8 @@
         </p:nvSpPr>
         <p:spPr>
           <a:xfrm>
-            <a:off x="9116094" y="546753"/>
-            <a:ext cx="792205" cy="261610"/>
+            <a:off x="8928744" y="455988"/>
+            <a:ext cx="1069524" cy="338554"/>
           </a:xfrm>
           <a:prstGeom prst="rect">
             <a:avLst/>
@@ -4278,10 +4290,10 @@
           <a:lstStyle/>
           <a:p>
             <a:r>
-              <a:rPr lang="en-GB" sz="1100" dirty="0" smtClean="0"/>
+              <a:rPr lang="en-GB" sz="1600" dirty="0" smtClean="0"/>
               <a:t>Beam Pipe</a:t>
             </a:r>
-            <a:endParaRPr lang="en-GB" sz="1100" dirty="0"/>
+            <a:endParaRPr lang="en-GB" sz="1600" dirty="0"/>
           </a:p>
         </p:txBody>
       </p:sp>
@@ -4293,8 +4305,8 @@
         </p:nvSpPr>
         <p:spPr>
           <a:xfrm>
-            <a:off x="2918917" y="5114196"/>
-            <a:ext cx="1547347" cy="276999"/>
+            <a:off x="2323584" y="5035762"/>
+            <a:ext cx="2229521" cy="369332"/>
           </a:xfrm>
           <a:prstGeom prst="rect">
             <a:avLst/>
@@ -4308,10 +4320,10 @@
           <a:lstStyle/>
           <a:p>
             <a:r>
-              <a:rPr lang="en-GB" dirty="0" smtClean="0"/>
+              <a:rPr lang="en-GB" sz="1800" dirty="0" smtClean="0"/>
               <a:t>External Metallization</a:t>
             </a:r>
-            <a:endParaRPr lang="en-GB" dirty="0"/>
+            <a:endParaRPr lang="en-GB" sz="1800" dirty="0"/>
           </a:p>
         </p:txBody>
       </p:sp>
